--- a/slides/L8 Equivalence Partitioning .pptx
+++ b/slides/L8 Equivalence Partitioning .pptx
@@ -19,14 +19,9 @@
     <p:sldId id="267" r:id="rId14"/>
     <p:sldId id="266" r:id="rId15"/>
     <p:sldId id="269" r:id="rId16"/>
-    <p:sldId id="270" r:id="rId17"/>
-    <p:sldId id="271" r:id="rId18"/>
-    <p:sldId id="272" r:id="rId19"/>
-    <p:sldId id="273" r:id="rId20"/>
-    <p:sldId id="274" r:id="rId21"/>
-    <p:sldId id="275" r:id="rId22"/>
-    <p:sldId id="277" r:id="rId23"/>
-    <p:sldId id="278" r:id="rId24"/>
+    <p:sldId id="272" r:id="rId17"/>
+    <p:sldId id="277" r:id="rId18"/>
+    <p:sldId id="278" r:id="rId19"/>
   </p:sldIdLst>
   <p:sldSz cx="12192000" cy="6858000"/>
   <p:notesSz cx="6858000" cy="9144000"/>
@@ -3703,7 +3698,7 @@
             </a:pPr>
             <a:r>
               <a:rPr lang="en-US" sz="2400" dirty="0"/>
-              <a:t>Generate test cases using equivalence class testing technique and write the implementation alongside.</a:t>
+              <a:t>Using the equivalence class testing technique, generate test cases. Additionally, write the implementation code and its corresponding tests.</a:t>
             </a:r>
             <a:endParaRPr lang="en-US" sz="2400" dirty="0"/>
           </a:p>
@@ -3776,7 +3771,7 @@
             <a:pPr algn="ctr"/>
             <a:r>
               <a:rPr lang="en-US" b="1" dirty="0"/>
-              <a:t>Solution</a:t>
+              <a:t>Example 3.3: Homework</a:t>
             </a:r>
             <a:endParaRPr lang="en-US" b="1" dirty="0"/>
           </a:p>
@@ -3794,9 +3789,7 @@
         </p:nvSpPr>
         <p:spPr/>
         <p:txBody>
-          <a:bodyPr>
-            <a:normAutofit/>
-          </a:bodyPr>
+          <a:bodyPr/>
           <a:lstStyle/>
           <a:p>
             <a:pPr marL="0" indent="0">
@@ -3804,47 +3797,105 @@
             </a:pPr>
             <a:r>
               <a:rPr lang="en-US" sz="2400"/>
-              <a:t>1. Valid Equivalence Classes</a:t>
+              <a:t>Consider a program for determining the Previous date. Its input is a triple of day, month and year with the values in the range</a:t>
             </a:r>
             <a:endParaRPr lang="en-US" sz="2400"/>
           </a:p>
           <a:p>
+            <a:pPr marL="914400" lvl="2" indent="0">
+              <a:buNone/>
+            </a:pPr>
+            <a:r>
+              <a:rPr lang="en-US" sz="1710"/>
+              <a:t>1 ≤ month ≤ 12</a:t>
+            </a:r>
+            <a:endParaRPr lang="en-US" sz="1710"/>
+          </a:p>
+          <a:p>
+            <a:pPr marL="914400" lvl="2" indent="0">
+              <a:buNone/>
+            </a:pPr>
+            <a:r>
+              <a:rPr lang="en-US" sz="1710"/>
+              <a:t>1 ≤ day ≤ 31</a:t>
+            </a:r>
+            <a:endParaRPr lang="en-US" sz="1710"/>
+          </a:p>
+          <a:p>
+            <a:pPr marL="914400" lvl="2" indent="0">
+              <a:buNone/>
+            </a:pPr>
+            <a:r>
+              <a:rPr lang="en-US" sz="1710"/>
+              <a:t>1900 ≤ year ≤ 2025</a:t>
+            </a:r>
+            <a:endParaRPr lang="en-US" sz="1710"/>
+          </a:p>
+          <a:p>
             <a:pPr marL="0" indent="0">
               <a:buNone/>
             </a:pPr>
             <a:r>
+              <a:rPr lang="en-US" sz="2400"/>
+              <a:t>The possible outputs would be </a:t>
+            </a:r>
+            <a:r>
               <a:rPr lang="en-US" sz="2400">
-                <a:sym typeface="+mn-ea"/>
+                <a:solidFill>
+                  <a:srgbClr val="FF0000"/>
+                </a:solidFill>
               </a:rPr>
-              <a:t>I1: {0 </a:t>
+              <a:t>Previous date</a:t>
+            </a:r>
+            <a:r>
+              <a:rPr lang="en-US" sz="2400"/>
+              <a:t> or </a:t>
             </a:r>
             <a:r>
               <a:rPr lang="en-US" sz="2400">
-                <a:latin typeface="Arial" panose="020B0604020202020204" pitchFamily="34" charset="0"/>
-                <a:cs typeface="Arial" panose="020B0604020202020204" pitchFamily="34" charset="0"/>
-                <a:sym typeface="+mn-ea"/>
+                <a:solidFill>
+                  <a:srgbClr val="FF0000"/>
+                </a:solidFill>
               </a:rPr>
-              <a:t>≤</a:t>
+              <a:t>invalid input date</a:t>
+            </a:r>
+            <a:r>
+              <a:rPr lang="en-US" sz="2400"/>
+              <a:t>.  </a:t>
+            </a:r>
+            <a:endParaRPr lang="en-US" sz="2400"/>
+          </a:p>
+          <a:p>
+            <a:pPr marL="0" indent="0">
+              <a:buNone/>
+            </a:pPr>
+            <a:r>
+              <a:rPr lang="en-US" sz="2400"/>
+              <a:t>(a) Identify the equivalence class test cases for </a:t>
             </a:r>
             <a:r>
               <a:rPr lang="en-US" sz="2400">
-                <a:sym typeface="+mn-ea"/>
+                <a:solidFill>
+                  <a:srgbClr val="FF0000"/>
+                </a:solidFill>
               </a:rPr>
-              <a:t> m </a:t>
+              <a:t>output </a:t>
+            </a:r>
+            <a:r>
+              <a:rPr lang="en-US" sz="2400"/>
+              <a:t>&amp; </a:t>
             </a:r>
             <a:r>
               <a:rPr lang="en-US" sz="2400">
-                <a:latin typeface="Arial" panose="020B0604020202020204" pitchFamily="34" charset="0"/>
-                <a:cs typeface="Arial" panose="020B0604020202020204" pitchFamily="34" charset="0"/>
-                <a:sym typeface="+mn-ea"/>
+                <a:solidFill>
+                  <a:srgbClr val="FF0000"/>
+                </a:solidFill>
               </a:rPr>
-              <a:t>≤</a:t>
-            </a:r>
-            <a:r>
-              <a:rPr lang="en-US" sz="2400">
-                <a:sym typeface="+mn-ea"/>
-              </a:rPr>
-              <a:t> 39}</a:t>
+              <a:t>input </a:t>
+            </a:r>
+            <a:r>
+              <a:rPr lang="en-US" sz="2400"/>
+              <a:t>domains. </a:t>
             </a:r>
             <a:endParaRPr lang="en-US" sz="2400"/>
           </a:p>
@@ -3853,586 +3904,13 @@
               <a:buNone/>
             </a:pPr>
             <a:r>
-              <a:rPr lang="en-US" sz="2400">
-                <a:sym typeface="+mn-ea"/>
-              </a:rPr>
-              <a:t>I2: {40 </a:t>
-            </a:r>
-            <a:r>
-              <a:rPr lang="en-US" sz="2400">
-                <a:latin typeface="Arial" panose="020B0604020202020204" pitchFamily="34" charset="0"/>
-                <a:cs typeface="Arial" panose="020B0604020202020204" pitchFamily="34" charset="0"/>
-                <a:sym typeface="+mn-ea"/>
-              </a:rPr>
-              <a:t>≤ </a:t>
-            </a:r>
-            <a:r>
-              <a:rPr lang="en-US" sz="2400">
-                <a:sym typeface="+mn-ea"/>
-              </a:rPr>
-              <a:t>m </a:t>
-            </a:r>
-            <a:r>
-              <a:rPr lang="en-US" sz="2400">
-                <a:latin typeface="Arial" panose="020B0604020202020204" pitchFamily="34" charset="0"/>
-                <a:cs typeface="Arial" panose="020B0604020202020204" pitchFamily="34" charset="0"/>
-                <a:sym typeface="+mn-ea"/>
-              </a:rPr>
-              <a:t>≤</a:t>
-            </a:r>
-            <a:r>
-              <a:rPr lang="en-US" sz="2400">
-                <a:sym typeface="+mn-ea"/>
-              </a:rPr>
-              <a:t> 49}</a:t>
+              <a:rPr lang="en-US" sz="2400"/>
+              <a:t>(b) Write the implementation codes along with testing. </a:t>
             </a:r>
             <a:endParaRPr lang="en-US" sz="2400"/>
           </a:p>
-          <a:p>
-            <a:pPr marL="0" indent="0">
-              <a:buNone/>
-            </a:pPr>
-            <a:r>
-              <a:rPr lang="en-US" sz="2400">
-                <a:sym typeface="+mn-ea"/>
-              </a:rPr>
-              <a:t>I3: {50 </a:t>
-            </a:r>
-            <a:r>
-              <a:rPr lang="en-US" sz="2400">
-                <a:latin typeface="Arial" panose="020B0604020202020204" pitchFamily="34" charset="0"/>
-                <a:cs typeface="Arial" panose="020B0604020202020204" pitchFamily="34" charset="0"/>
-                <a:sym typeface="+mn-ea"/>
-              </a:rPr>
-              <a:t>≤ m ≤</a:t>
-            </a:r>
-            <a:r>
-              <a:rPr lang="en-US" sz="2400">
-                <a:sym typeface="+mn-ea"/>
-              </a:rPr>
-              <a:t> 59}</a:t>
-            </a:r>
-            <a:endParaRPr lang="en-US" sz="2400"/>
-          </a:p>
-          <a:p>
-            <a:pPr marL="0" indent="0">
-              <a:buNone/>
-            </a:pPr>
-            <a:r>
-              <a:rPr lang="en-US" sz="2400">
-                <a:sym typeface="+mn-ea"/>
-              </a:rPr>
-              <a:t>I4: {60 </a:t>
-            </a:r>
-            <a:r>
-              <a:rPr lang="en-US" sz="2400">
-                <a:latin typeface="Arial" panose="020B0604020202020204" pitchFamily="34" charset="0"/>
-                <a:cs typeface="Arial" panose="020B0604020202020204" pitchFamily="34" charset="0"/>
-                <a:sym typeface="+mn-ea"/>
-              </a:rPr>
-              <a:t>≤ </a:t>
-            </a:r>
-            <a:r>
-              <a:rPr lang="en-US" sz="2400">
-                <a:sym typeface="+mn-ea"/>
-              </a:rPr>
-              <a:t>m &lt; 79}</a:t>
-            </a:r>
-            <a:endParaRPr lang="en-US" sz="2400">
-              <a:sym typeface="+mn-ea"/>
-            </a:endParaRPr>
-          </a:p>
-          <a:p>
-            <a:pPr marL="0" indent="0">
-              <a:buNone/>
-            </a:pPr>
-            <a:r>
-              <a:rPr lang="en-US" sz="2400">
-                <a:sym typeface="+mn-ea"/>
-              </a:rPr>
-              <a:t>I5: {80 </a:t>
-            </a:r>
-            <a:r>
-              <a:rPr lang="en-US" sz="2400">
-                <a:latin typeface="Arial" panose="020B0604020202020204" pitchFamily="34" charset="0"/>
-                <a:cs typeface="Arial" panose="020B0604020202020204" pitchFamily="34" charset="0"/>
-                <a:sym typeface="+mn-ea"/>
-              </a:rPr>
-              <a:t>≤ m ≤</a:t>
-            </a:r>
-            <a:r>
-              <a:rPr lang="en-US" sz="2400">
-                <a:sym typeface="+mn-ea"/>
-              </a:rPr>
-              <a:t> 100}</a:t>
-            </a:r>
-            <a:endParaRPr lang="en-US" sz="2400"/>
-          </a:p>
-          <a:p>
-            <a:pPr marL="0" indent="0">
-              <a:buNone/>
-            </a:pPr>
-            <a:r>
-              <a:rPr lang="en-US" sz="2400"/>
-              <a:t>2. Invalid Equivalence Classes</a:t>
-            </a:r>
-            <a:endParaRPr lang="en-US" sz="2400"/>
-          </a:p>
-          <a:p>
-            <a:pPr marL="0" indent="0">
-              <a:buNone/>
-            </a:pPr>
-            <a:r>
-              <a:rPr lang="en-US" sz="2400"/>
-              <a:t>I6: </a:t>
-            </a:r>
-            <a:r>
-              <a:rPr lang="en-US" sz="2400">
-                <a:sym typeface="+mn-ea"/>
-              </a:rPr>
-              <a:t>I1: {m &lt; 0}</a:t>
-            </a:r>
-            <a:endParaRPr lang="en-US" sz="2400"/>
-          </a:p>
-          <a:p>
-            <a:pPr marL="0" indent="0">
-              <a:buNone/>
-            </a:pPr>
-            <a:r>
-              <a:rPr lang="en-US" sz="2400">
-                <a:sym typeface="+mn-ea"/>
-              </a:rPr>
-              <a:t>I7: {m &gt; 100}</a:t>
-            </a:r>
-            <a:endParaRPr lang="en-US" sz="2400"/>
-          </a:p>
-        </p:txBody>
-      </p:sp>
-      <p:graphicFrame>
-        <p:nvGraphicFramePr>
-          <p:cNvPr id="7" name="Table 6"/>
-          <p:cNvGraphicFramePr/>
-          <p:nvPr/>
-        </p:nvGraphicFramePr>
-        <p:xfrm>
-          <a:off x="5749290" y="1958340"/>
-          <a:ext cx="5205730" cy="3261360"/>
-        </p:xfrm>
-        <a:graphic>
-          <a:graphicData uri="http://schemas.openxmlformats.org/drawingml/2006/table">
-            <a:tbl>
-              <a:tblPr firstRow="1" bandRow="1">
-                <a:tableStyleId>{2A488322-F2BA-4B5B-9748-0D474271808F}</a:tableStyleId>
-              </a:tblPr>
-              <a:tblGrid>
-                <a:gridCol w="1181735"/>
-                <a:gridCol w="1695450"/>
-                <a:gridCol w="2328545"/>
-              </a:tblGrid>
-              <a:tr h="407670">
-                <a:tc>
-                  <a:txBody>
-                    <a:bodyPr/>
-                    <a:p>
-                      <a:pPr>
-                        <a:buNone/>
-                      </a:pPr>
-                      <a:r>
-                        <a:rPr lang="en-US"/>
-                        <a:t>Test Cases</a:t>
-                      </a:r>
-                      <a:endParaRPr lang="en-US"/>
-                    </a:p>
-                  </a:txBody>
-                  <a:tcPr/>
-                </a:tc>
-                <a:tc>
-                  <a:txBody>
-                    <a:bodyPr/>
-                    <a:p>
-                      <a:pPr>
-                        <a:buNone/>
-                      </a:pPr>
-                      <a:r>
-                        <a:rPr lang="en-US"/>
-                        <a:t>Input Mark (m)</a:t>
-                      </a:r>
-                      <a:endParaRPr lang="en-US"/>
-                    </a:p>
-                  </a:txBody>
-                  <a:tcPr/>
-                </a:tc>
-                <a:tc>
-                  <a:txBody>
-                    <a:bodyPr/>
-                    <a:p>
-                      <a:pPr>
-                        <a:buNone/>
-                      </a:pPr>
-                      <a:r>
-                        <a:rPr lang="en-US"/>
-                        <a:t>Result</a:t>
-                      </a:r>
-                      <a:endParaRPr lang="en-US"/>
-                    </a:p>
-                  </a:txBody>
-                  <a:tcPr/>
-                </a:tc>
-              </a:tr>
-              <a:tr h="407670">
-                <a:tc>
-                  <a:txBody>
-                    <a:bodyPr/>
-                    <a:p>
-                      <a:pPr>
-                        <a:buNone/>
-                      </a:pPr>
-                      <a:r>
-                        <a:rPr lang="en-US"/>
-                        <a:t>1</a:t>
-                      </a:r>
-                      <a:endParaRPr lang="en-US"/>
-                    </a:p>
-                  </a:txBody>
-                  <a:tcPr/>
-                </a:tc>
-                <a:tc>
-                  <a:txBody>
-                    <a:bodyPr/>
-                    <a:p>
-                      <a:pPr>
-                        <a:buNone/>
-                      </a:pPr>
-                      <a:r>
-                        <a:rPr lang="en-US"/>
-                        <a:t>-1</a:t>
-                      </a:r>
-                      <a:endParaRPr lang="en-US"/>
-                    </a:p>
-                  </a:txBody>
-                  <a:tcPr/>
-                </a:tc>
-                <a:tc>
-                  <a:txBody>
-                    <a:bodyPr/>
-                    <a:p>
-                      <a:pPr>
-                        <a:buNone/>
-                      </a:pPr>
-                      <a:r>
-                        <a:rPr lang="en-US"/>
-                        <a:t>Invalid Input</a:t>
-                      </a:r>
-                      <a:endParaRPr lang="en-US"/>
-                    </a:p>
-                  </a:txBody>
-                  <a:tcPr/>
-                </a:tc>
-              </a:tr>
-              <a:tr h="407670">
-                <a:tc>
-                  <a:txBody>
-                    <a:bodyPr/>
-                    <a:p>
-                      <a:pPr>
-                        <a:buNone/>
-                      </a:pPr>
-                      <a:r>
-                        <a:rPr lang="en-US"/>
-                        <a:t>2</a:t>
-                      </a:r>
-                      <a:endParaRPr lang="en-US"/>
-                    </a:p>
-                  </a:txBody>
-                  <a:tcPr/>
-                </a:tc>
-                <a:tc>
-                  <a:txBody>
-                    <a:bodyPr/>
-                    <a:p>
-                      <a:pPr>
-                        <a:buNone/>
-                      </a:pPr>
-                      <a:r>
-                        <a:rPr lang="en-US"/>
-                        <a:t>20</a:t>
-                      </a:r>
-                      <a:endParaRPr lang="en-US"/>
-                    </a:p>
-                  </a:txBody>
-                  <a:tcPr/>
-                </a:tc>
-                <a:tc>
-                  <a:txBody>
-                    <a:bodyPr/>
-                    <a:p>
-                      <a:pPr>
-                        <a:buNone/>
-                      </a:pPr>
-                      <a:r>
-                        <a:rPr lang="en-US"/>
-                        <a:t>Fail</a:t>
-                      </a:r>
-                      <a:endParaRPr lang="en-US"/>
-                    </a:p>
-                  </a:txBody>
-                  <a:tcPr/>
-                </a:tc>
-              </a:tr>
-              <a:tr h="407670">
-                <a:tc>
-                  <a:txBody>
-                    <a:bodyPr/>
-                    <a:p>
-                      <a:pPr>
-                        <a:buNone/>
-                      </a:pPr>
-                      <a:r>
-                        <a:rPr lang="en-US"/>
-                        <a:t>3</a:t>
-                      </a:r>
-                      <a:endParaRPr lang="en-US"/>
-                    </a:p>
-                  </a:txBody>
-                  <a:tcPr/>
-                </a:tc>
-                <a:tc>
-                  <a:txBody>
-                    <a:bodyPr/>
-                    <a:p>
-                      <a:pPr>
-                        <a:buNone/>
-                      </a:pPr>
-                      <a:r>
-                        <a:rPr lang="en-US"/>
-                        <a:t>46</a:t>
-                      </a:r>
-                      <a:endParaRPr lang="en-US"/>
-                    </a:p>
-                  </a:txBody>
-                  <a:tcPr/>
-                </a:tc>
-                <a:tc>
-                  <a:txBody>
-                    <a:bodyPr/>
-                    <a:p>
-                      <a:pPr>
-                        <a:buNone/>
-                      </a:pPr>
-                      <a:r>
-                        <a:rPr lang="en-US"/>
-                        <a:t>Third Division</a:t>
-                      </a:r>
-                      <a:endParaRPr lang="en-US"/>
-                    </a:p>
-                  </a:txBody>
-                  <a:tcPr/>
-                </a:tc>
-              </a:tr>
-              <a:tr h="407670">
-                <a:tc>
-                  <a:txBody>
-                    <a:bodyPr/>
-                    <a:p>
-                      <a:pPr>
-                        <a:buNone/>
-                      </a:pPr>
-                      <a:r>
-                        <a:rPr lang="en-US"/>
-                        <a:t>4</a:t>
-                      </a:r>
-                      <a:endParaRPr lang="en-US"/>
-                    </a:p>
-                  </a:txBody>
-                  <a:tcPr/>
-                </a:tc>
-                <a:tc>
-                  <a:txBody>
-                    <a:bodyPr/>
-                    <a:p>
-                      <a:pPr>
-                        <a:buNone/>
-                      </a:pPr>
-                      <a:r>
-                        <a:rPr lang="en-US"/>
-                        <a:t>55</a:t>
-                      </a:r>
-                      <a:endParaRPr lang="en-US"/>
-                    </a:p>
-                  </a:txBody>
-                  <a:tcPr/>
-                </a:tc>
-                <a:tc>
-                  <a:txBody>
-                    <a:bodyPr/>
-                    <a:p>
-                      <a:pPr>
-                        <a:buNone/>
-                      </a:pPr>
-                      <a:r>
-                        <a:rPr lang="en-US"/>
-                        <a:t>Second Division</a:t>
-                      </a:r>
-                      <a:endParaRPr lang="en-US"/>
-                    </a:p>
-                  </a:txBody>
-                  <a:tcPr/>
-                </a:tc>
-              </a:tr>
-              <a:tr h="407670">
-                <a:tc>
-                  <a:txBody>
-                    <a:bodyPr/>
-                    <a:p>
-                      <a:pPr>
-                        <a:buNone/>
-                      </a:pPr>
-                      <a:r>
-                        <a:rPr lang="en-US"/>
-                        <a:t>5</a:t>
-                      </a:r>
-                      <a:endParaRPr lang="en-US"/>
-                    </a:p>
-                  </a:txBody>
-                  <a:tcPr/>
-                </a:tc>
-                <a:tc>
-                  <a:txBody>
-                    <a:bodyPr/>
-                    <a:p>
-                      <a:pPr>
-                        <a:buNone/>
-                      </a:pPr>
-                      <a:r>
-                        <a:rPr lang="en-US"/>
-                        <a:t>70</a:t>
-                      </a:r>
-                      <a:endParaRPr lang="en-US"/>
-                    </a:p>
-                  </a:txBody>
-                  <a:tcPr/>
-                </a:tc>
-                <a:tc>
-                  <a:txBody>
-                    <a:bodyPr/>
-                    <a:p>
-                      <a:pPr>
-                        <a:buNone/>
-                      </a:pPr>
-                      <a:r>
-                        <a:rPr lang="en-US"/>
-                        <a:t>First Divison</a:t>
-                      </a:r>
-                      <a:endParaRPr lang="en-US"/>
-                    </a:p>
-                  </a:txBody>
-                  <a:tcPr/>
-                </a:tc>
-              </a:tr>
-              <a:tr h="407670">
-                <a:tc>
-                  <a:txBody>
-                    <a:bodyPr/>
-                    <a:p>
-                      <a:pPr>
-                        <a:buNone/>
-                      </a:pPr>
-                      <a:r>
-                        <a:rPr lang="en-US"/>
-                        <a:t>6</a:t>
-                      </a:r>
-                      <a:endParaRPr lang="en-US"/>
-                    </a:p>
-                  </a:txBody>
-                  <a:tcPr/>
-                </a:tc>
-                <a:tc>
-                  <a:txBody>
-                    <a:bodyPr/>
-                    <a:p>
-                      <a:pPr>
-                        <a:buNone/>
-                      </a:pPr>
-                      <a:r>
-                        <a:rPr lang="en-US"/>
-                        <a:t>90</a:t>
-                      </a:r>
-                      <a:endParaRPr lang="en-US"/>
-                    </a:p>
-                  </a:txBody>
-                  <a:tcPr/>
-                </a:tc>
-                <a:tc>
-                  <a:txBody>
-                    <a:bodyPr/>
-                    <a:p>
-                      <a:pPr>
-                        <a:buNone/>
-                      </a:pPr>
-                      <a:r>
-                        <a:rPr lang="en-US"/>
-                        <a:t>Distinction</a:t>
-                      </a:r>
-                      <a:endParaRPr lang="en-US"/>
-                    </a:p>
-                  </a:txBody>
-                  <a:tcPr/>
-                </a:tc>
-              </a:tr>
-              <a:tr h="407670">
-                <a:tc>
-                  <a:txBody>
-                    <a:bodyPr/>
-                    <a:p>
-                      <a:pPr>
-                        <a:buNone/>
-                      </a:pPr>
-                      <a:r>
-                        <a:rPr lang="en-US"/>
-                        <a:t>7</a:t>
-                      </a:r>
-                      <a:endParaRPr lang="en-US"/>
-                    </a:p>
-                  </a:txBody>
-                  <a:tcPr/>
-                </a:tc>
-                <a:tc>
-                  <a:txBody>
-                    <a:bodyPr/>
-                    <a:p>
-                      <a:pPr>
-                        <a:buNone/>
-                      </a:pPr>
-                      <a:r>
-                        <a:rPr lang="en-US"/>
-                        <a:t>101</a:t>
-                      </a:r>
-                      <a:endParaRPr lang="en-US"/>
-                    </a:p>
-                  </a:txBody>
-                  <a:tcPr/>
-                </a:tc>
-                <a:tc>
-                  <a:txBody>
-                    <a:bodyPr/>
-                    <a:p>
-                      <a:pPr>
-                        <a:buNone/>
-                      </a:pPr>
-                      <a:r>
-                        <a:rPr lang="en-US"/>
-                        <a:t>Invalid Input</a:t>
-                      </a:r>
-                      <a:endParaRPr lang="en-US"/>
-                    </a:p>
-                  </a:txBody>
-                  <a:tcPr/>
-                </a:tc>
-              </a:tr>
-            </a:tbl>
-          </a:graphicData>
-        </a:graphic>
-      </p:graphicFrame>
+        </p:txBody>
+      </p:sp>
     </p:spTree>
   </p:cSld>
   <p:clrMapOvr>
@@ -4450,14 +3928,7 @@
         <p:cNvGrpSpPr/>
         <p:nvPr/>
       </p:nvGrpSpPr>
-      <p:grpSpPr>
-        <a:xfrm>
-          <a:off x="0" y="0"/>
-          <a:ext cx="0" cy="0"/>
-          <a:chOff x="0" y="0"/>
-          <a:chExt cx="0" cy="0"/>
-        </a:xfrm>
-      </p:grpSpPr>
+      <p:grpSpPr/>
       <p:sp>
         <p:nvSpPr>
           <p:cNvPr id="2" name="Title 1"/>
@@ -4471,14 +3942,13 @@
         <p:spPr/>
         <p:txBody>
           <a:bodyPr/>
-          <a:lstStyle/>
           <a:p>
             <a:pPr algn="ctr"/>
             <a:r>
-              <a:rPr lang="en-US"/>
-              <a:t>Implementation</a:t>
-            </a:r>
-            <a:endParaRPr lang="en-US"/>
+              <a:rPr lang="en-US" b="1"/>
+              <a:t>Equivalence Partitions Analysis</a:t>
+            </a:r>
+            <a:endParaRPr lang="en-US" b="1"/>
           </a:p>
         </p:txBody>
       </p:sp>
@@ -4494,37 +3964,98 @@
         </p:nvSpPr>
         <p:spPr/>
         <p:txBody>
-          <a:bodyPr/>
-          <a:lstStyle/>
+          <a:bodyPr>
+            <a:normAutofit lnSpcReduction="10000"/>
+          </a:bodyPr>
           <a:p>
             <a:pPr marL="0" indent="0">
               <a:buNone/>
             </a:pPr>
             <a:r>
-              <a:rPr lang="en-US" sz="1800"/>
-              <a:t>public void testInvalidMarksAboveHundred() {</a:t>
-            </a:r>
-            <a:endParaRPr lang="en-US" sz="1800"/>
+              <a:rPr lang="en-US" sz="2400"/>
+              <a:t>Pluses for EP techniques:</a:t>
+            </a:r>
+            <a:endParaRPr lang="en-US" sz="2400"/>
+          </a:p>
+          <a:p>
+            <a:pPr>
+              <a:buFont typeface="Wingdings" panose="05000000000000000000" charset="0"/>
+              <a:buChar char="ü"/>
+            </a:pPr>
+            <a:r>
+              <a:rPr lang="en-US" sz="2400"/>
+              <a:t>Reducing the number of test;</a:t>
+            </a:r>
+            <a:endParaRPr lang="en-US" sz="2400"/>
+          </a:p>
+          <a:p>
+            <a:pPr>
+              <a:buFont typeface="Wingdings" panose="05000000000000000000" charset="0"/>
+              <a:buChar char="ü"/>
+            </a:pPr>
+            <a:r>
+              <a:rPr lang="en-US" sz="2400"/>
+              <a:t>Reduction in testing time;</a:t>
+            </a:r>
+            <a:endParaRPr lang="en-US" sz="2400"/>
+          </a:p>
+          <a:p>
+            <a:pPr>
+              <a:buFont typeface="Wingdings" panose="05000000000000000000" charset="0"/>
+              <a:buChar char="ü"/>
+            </a:pPr>
+            <a:r>
+              <a:rPr lang="en-US" sz="2400"/>
+              <a:t>Improvement structure testing;</a:t>
+            </a:r>
+            <a:endParaRPr lang="en-US" sz="2400"/>
+          </a:p>
+          <a:p>
+            <a:pPr>
+              <a:buFont typeface="Wingdings" panose="05000000000000000000" charset="0"/>
+              <a:buChar char="ü"/>
+            </a:pPr>
+            <a:endParaRPr lang="en-US" sz="2400"/>
           </a:p>
           <a:p>
             <a:pPr marL="0" indent="0">
-              <a:buNone/>
-            </a:pPr>
-            <a:r>
-              <a:rPr lang="en-US" sz="1800"/>
-              <a:t>Assertions.assertEqual(“Invalid marks”, calculator.calculateGrade(101));</a:t>
-            </a:r>
-            <a:endParaRPr lang="en-US" sz="1800"/>
+              <a:buFont typeface="Wingdings" panose="05000000000000000000" charset="0"/>
+              <a:buNone/>
+            </a:pPr>
+            <a:r>
+              <a:rPr lang="en-US" sz="2400"/>
+              <a:t>Minuses of EP techniques:</a:t>
+            </a:r>
+            <a:endParaRPr lang="en-US" sz="2400"/>
+          </a:p>
+          <a:p>
+            <a:pPr>
+              <a:buFont typeface="Wingdings" panose="05000000000000000000" charset="0"/>
+              <a:buChar char="ü"/>
+            </a:pPr>
+            <a:r>
+              <a:rPr lang="en-US" sz="2400"/>
+              <a:t>If misused technology we risk losing bugs.</a:t>
+            </a:r>
+            <a:endParaRPr lang="en-US" sz="2400"/>
+          </a:p>
+          <a:p>
+            <a:pPr>
+              <a:buFont typeface="Wingdings" panose="05000000000000000000" charset="0"/>
+              <a:buChar char="ü"/>
+            </a:pPr>
+            <a:endParaRPr lang="en-US" sz="2400"/>
           </a:p>
           <a:p>
             <a:pPr marL="0" indent="0">
-              <a:buNone/>
-            </a:pPr>
-            <a:r>
-              <a:rPr lang="en-US" sz="1800"/>
-              <a:t>}</a:t>
-            </a:r>
-            <a:endParaRPr lang="en-US" sz="1800"/>
+              <a:buFont typeface="Wingdings" panose="05000000000000000000" charset="0"/>
+              <a:buNone/>
+            </a:pPr>
+            <a:r>
+              <a:rPr lang="en-US" sz="2400"/>
+              <a:t>Equivalence partitioning is no standalone method to determine test cases. It has to be supplemented by boundary value analysis.</a:t>
+            </a:r>
+            <a:endParaRPr lang="en-US" sz="2400"/>
           </a:p>
         </p:txBody>
       </p:sp>
@@ -4545,14 +4076,7 @@
         <p:cNvGrpSpPr/>
         <p:nvPr/>
       </p:nvGrpSpPr>
-      <p:grpSpPr>
-        <a:xfrm>
-          <a:off x="0" y="0"/>
-          <a:ext cx="0" cy="0"/>
-          <a:chOff x="0" y="0"/>
-          <a:chExt cx="0" cy="0"/>
-        </a:xfrm>
-      </p:grpSpPr>
+      <p:grpSpPr/>
       <p:sp>
         <p:nvSpPr>
           <p:cNvPr id="2" name="Title 1"/>
@@ -4566,14 +4090,8 @@
         <p:spPr/>
         <p:txBody>
           <a:bodyPr/>
-          <a:lstStyle/>
-          <a:p>
-            <a:pPr algn="ctr"/>
-            <a:r>
-              <a:rPr lang="en-US" b="1" dirty="0"/>
-              <a:t>Example 3.3: Homework</a:t>
-            </a:r>
-            <a:endParaRPr lang="en-US" b="1" dirty="0"/>
+          <a:p>
+            <a:endParaRPr lang="en-US"/>
           </a:p>
         </p:txBody>
       </p:sp>
@@ -4587,404 +4105,25 @@
             <p:ph idx="1"/>
           </p:nvPr>
         </p:nvSpPr>
-        <p:spPr/>
-        <p:txBody>
-          <a:bodyPr/>
-          <a:lstStyle/>
-          <a:p>
-            <a:pPr marL="0" indent="0">
-              <a:buNone/>
-            </a:pPr>
-            <a:r>
-              <a:rPr lang="en-US" sz="2400"/>
-              <a:t>Consider a program for determining the Previous date. Its input is a triple of day, month and year with the values in the range</a:t>
-            </a:r>
-            <a:endParaRPr lang="en-US" sz="2400"/>
-          </a:p>
-          <a:p>
-            <a:pPr marL="914400" lvl="2" indent="0">
-              <a:buNone/>
-            </a:pPr>
-            <a:r>
-              <a:rPr lang="en-US" sz="1710"/>
-              <a:t>1 ≤ month ≤ 12</a:t>
-            </a:r>
-            <a:endParaRPr lang="en-US" sz="1710"/>
-          </a:p>
-          <a:p>
-            <a:pPr marL="914400" lvl="2" indent="0">
-              <a:buNone/>
-            </a:pPr>
-            <a:r>
-              <a:rPr lang="en-US" sz="1710"/>
-              <a:t>1 ≤ day ≤ 31</a:t>
-            </a:r>
-            <a:endParaRPr lang="en-US" sz="1710"/>
-          </a:p>
-          <a:p>
-            <a:pPr marL="914400" lvl="2" indent="0">
-              <a:buNone/>
-            </a:pPr>
-            <a:r>
-              <a:rPr lang="en-US" sz="1710"/>
-              <a:t>1900 ≤ year ≤ 2025</a:t>
-            </a:r>
-            <a:endParaRPr lang="en-US" sz="1710"/>
-          </a:p>
-          <a:p>
-            <a:pPr marL="0" indent="0">
-              <a:buNone/>
-            </a:pPr>
-            <a:r>
-              <a:rPr lang="en-US" sz="2400"/>
-              <a:t>The possible outputs would be </a:t>
-            </a:r>
-            <a:r>
-              <a:rPr lang="en-US" sz="2400">
-                <a:solidFill>
-                  <a:srgbClr val="FF0000"/>
-                </a:solidFill>
-              </a:rPr>
-              <a:t>Previous date</a:t>
-            </a:r>
-            <a:r>
-              <a:rPr lang="en-US" sz="2400"/>
-              <a:t> or </a:t>
-            </a:r>
-            <a:r>
-              <a:rPr lang="en-US" sz="2400">
-                <a:solidFill>
-                  <a:srgbClr val="FF0000"/>
-                </a:solidFill>
-              </a:rPr>
-              <a:t>invalid input date</a:t>
-            </a:r>
-            <a:r>
-              <a:rPr lang="en-US" sz="2400"/>
-              <a:t>.  Identify the equivalence class test cases for </a:t>
-            </a:r>
-            <a:r>
-              <a:rPr lang="en-US" sz="2400">
-                <a:solidFill>
-                  <a:srgbClr val="FF0000"/>
-                </a:solidFill>
-              </a:rPr>
-              <a:t>output </a:t>
-            </a:r>
-            <a:r>
-              <a:rPr lang="en-US" sz="2400"/>
-              <a:t>&amp; </a:t>
-            </a:r>
-            <a:r>
-              <a:rPr lang="en-US" sz="2400">
-                <a:solidFill>
-                  <a:srgbClr val="FF0000"/>
-                </a:solidFill>
-              </a:rPr>
-              <a:t>input </a:t>
-            </a:r>
-            <a:r>
-              <a:rPr lang="en-US" sz="2400"/>
-              <a:t>domains.</a:t>
-            </a:r>
-            <a:endParaRPr lang="en-US" sz="2400"/>
-          </a:p>
-        </p:txBody>
-      </p:sp>
-    </p:spTree>
-  </p:cSld>
-  <p:clrMapOvr>
-    <a:masterClrMapping/>
-  </p:clrMapOvr>
-</p:sld>
-</file>
-
-<file path=ppt/slides/slide18.xml><?xml version="1.0" encoding="utf-8"?>
-<p:sld xmlns:a="http://schemas.openxmlformats.org/drawingml/2006/main" xmlns:r="http://schemas.openxmlformats.org/officeDocument/2006/relationships" xmlns:p="http://schemas.openxmlformats.org/presentationml/2006/main">
-  <p:cSld>
-    <p:spTree>
-      <p:nvGrpSpPr>
-        <p:cNvPr id="1" name=""/>
-        <p:cNvGrpSpPr/>
-        <p:nvPr/>
-      </p:nvGrpSpPr>
-      <p:grpSpPr>
-        <a:xfrm>
-          <a:off x="0" y="0"/>
-          <a:ext cx="0" cy="0"/>
-          <a:chOff x="0" y="0"/>
-          <a:chExt cx="0" cy="0"/>
-        </a:xfrm>
-      </p:grpSpPr>
-      <p:sp>
-        <p:nvSpPr>
-          <p:cNvPr id="2" name="Title 1"/>
-          <p:cNvSpPr>
-            <a:spLocks noGrp="1"/>
-          </p:cNvSpPr>
-          <p:nvPr>
-            <p:ph type="title"/>
-          </p:nvPr>
-        </p:nvSpPr>
-        <p:spPr/>
-        <p:txBody>
-          <a:bodyPr/>
-          <a:lstStyle/>
-          <a:p>
-            <a:pPr algn="ctr"/>
-            <a:r>
-              <a:rPr lang="en-US"/>
-              <a:t>Solution</a:t>
-            </a:r>
-            <a:endParaRPr lang="en-US"/>
-          </a:p>
-        </p:txBody>
-      </p:sp>
-      <p:sp>
-        <p:nvSpPr>
-          <p:cNvPr id="3" name="Content Placeholder 2"/>
-          <p:cNvSpPr>
-            <a:spLocks noGrp="1"/>
-          </p:cNvSpPr>
-          <p:nvPr>
-            <p:ph idx="1"/>
-          </p:nvPr>
-        </p:nvSpPr>
-        <p:spPr/>
-        <p:txBody>
-          <a:bodyPr/>
-          <a:lstStyle/>
-          <a:p>
-            <a:pPr marL="0" indent="0">
-              <a:buNone/>
-            </a:pPr>
-            <a:r>
-              <a:rPr lang="en-US"/>
-              <a:t>Output domain equivalence class are:</a:t>
-            </a:r>
-            <a:endParaRPr lang="en-US"/>
-          </a:p>
-          <a:p>
-            <a:pPr marL="0" indent="0">
-              <a:buNone/>
-            </a:pPr>
-            <a:r>
-              <a:rPr lang="en-US" sz="2000"/>
-              <a:t>O1={&lt;D,M,Y&gt;: Previous date if all are valid inputs}</a:t>
-            </a:r>
-            <a:endParaRPr lang="en-US" sz="2000"/>
-          </a:p>
-          <a:p>
-            <a:pPr marL="0" indent="0">
-              <a:buNone/>
-            </a:pPr>
-            <a:r>
-              <a:rPr lang="en-US" sz="2000"/>
-              <a:t>O1={&lt;D,M,Y&gt;: Invalid date if any input makes the date invalid}</a:t>
-            </a:r>
-            <a:endParaRPr lang="en-US" sz="2000"/>
-          </a:p>
-        </p:txBody>
-      </p:sp>
-      <p:pic>
-        <p:nvPicPr>
-          <p:cNvPr id="4" name="Picture 3" descr="Screenshot 2024-03-04 at 11.08.37 in the morning"/>
-          <p:cNvPicPr>
-            <a:picLocks noChangeAspect="1"/>
-          </p:cNvPicPr>
-          <p:nvPr/>
-        </p:nvPicPr>
-        <p:blipFill>
-          <a:blip r:embed="rId1"/>
-          <a:stretch>
-            <a:fillRect/>
-          </a:stretch>
-        </p:blipFill>
         <p:spPr>
           <a:xfrm>
-            <a:off x="990600" y="3276600"/>
-            <a:ext cx="6604000" cy="1270000"/>
+            <a:off x="1984375" y="2600960"/>
+            <a:ext cx="7127875" cy="608965"/>
           </a:xfrm>
-          <a:prstGeom prst="rect">
-            <a:avLst/>
-          </a:prstGeom>
         </p:spPr>
-      </p:pic>
-    </p:spTree>
-  </p:cSld>
-  <p:clrMapOvr>
-    <a:masterClrMapping/>
-  </p:clrMapOvr>
-</p:sld>
-</file>
-
-<file path=ppt/slides/slide19.xml><?xml version="1.0" encoding="utf-8"?>
-<p:sld xmlns:a="http://schemas.openxmlformats.org/drawingml/2006/main" xmlns:r="http://schemas.openxmlformats.org/officeDocument/2006/relationships" xmlns:p="http://schemas.openxmlformats.org/presentationml/2006/main">
-  <p:cSld>
-    <p:spTree>
-      <p:nvGrpSpPr>
-        <p:cNvPr id="1" name=""/>
-        <p:cNvGrpSpPr/>
-        <p:nvPr/>
-      </p:nvGrpSpPr>
-      <p:grpSpPr>
-        <a:xfrm>
-          <a:off x="0" y="0"/>
-          <a:ext cx="0" cy="0"/>
-          <a:chOff x="0" y="0"/>
-          <a:chExt cx="0" cy="0"/>
-        </a:xfrm>
-      </p:grpSpPr>
-      <p:sp>
-        <p:nvSpPr>
-          <p:cNvPr id="2" name="Title 1"/>
-          <p:cNvSpPr>
-            <a:spLocks noGrp="1"/>
-          </p:cNvSpPr>
-          <p:nvPr>
-            <p:ph type="title"/>
-          </p:nvPr>
-        </p:nvSpPr>
-        <p:spPr/>
-        <p:txBody>
-          <a:bodyPr/>
-          <a:lstStyle/>
-          <a:p>
-            <a:r>
-              <a:rPr lang="en-US"/>
-              <a:t>Cont ...</a:t>
-            </a:r>
-            <a:endParaRPr lang="en-US"/>
-          </a:p>
-        </p:txBody>
-      </p:sp>
-      <p:sp>
-        <p:nvSpPr>
-          <p:cNvPr id="3" name="Content Placeholder 2"/>
-          <p:cNvSpPr>
-            <a:spLocks noGrp="1"/>
-          </p:cNvSpPr>
-          <p:nvPr>
-            <p:ph idx="1"/>
-          </p:nvPr>
-        </p:nvSpPr>
-        <p:spPr/>
-        <p:txBody>
-          <a:bodyPr/>
-          <a:lstStyle/>
+        <p:txBody>
+          <a:bodyPr>
+            <a:noAutofit/>
+          </a:bodyPr>
           <a:p>
             <a:pPr marL="0" indent="0">
               <a:buNone/>
             </a:pPr>
             <a:r>
-              <a:rPr lang="en-US" sz="2000" dirty="0"/>
-              <a:t>We may have another set of test cases which are based on </a:t>
-            </a:r>
-            <a:r>
-              <a:rPr lang="en-US" sz="2000" dirty="0">
-                <a:solidFill>
-                  <a:schemeClr val="accent1">
-                    <a:lumMod val="75000"/>
-                  </a:schemeClr>
-                </a:solidFill>
-              </a:rPr>
-              <a:t>input domain</a:t>
-            </a:r>
-            <a:r>
-              <a:rPr lang="en-US" sz="2000" dirty="0"/>
-              <a:t>.</a:t>
-            </a:r>
-            <a:endParaRPr lang="en-US" sz="2000" dirty="0"/>
-          </a:p>
-          <a:p>
-            <a:pPr marL="0" indent="0">
-              <a:buNone/>
-            </a:pPr>
-            <a:r>
-              <a:rPr lang="en-US" sz="2000" dirty="0"/>
-              <a:t>I1={month: 1 ≤ m ≤ 12}</a:t>
-            </a:r>
-            <a:endParaRPr lang="en-US" sz="2000" dirty="0"/>
-          </a:p>
-          <a:p>
-            <a:pPr marL="0" indent="0">
-              <a:buNone/>
-            </a:pPr>
-            <a:r>
-              <a:rPr lang="en-US" sz="2000" dirty="0"/>
-              <a:t>I2={month: m &lt; 1}</a:t>
-            </a:r>
-            <a:endParaRPr lang="en-US" sz="2000" dirty="0"/>
-          </a:p>
-          <a:p>
-            <a:pPr marL="0" indent="0">
-              <a:buNone/>
-            </a:pPr>
-            <a:r>
-              <a:rPr lang="en-US" sz="2000" dirty="0"/>
-              <a:t>I3={month: m &gt; 12}</a:t>
-            </a:r>
-            <a:endParaRPr lang="en-US" sz="2000" dirty="0"/>
-          </a:p>
-          <a:p>
-            <a:pPr marL="0" indent="0">
-              <a:buNone/>
-            </a:pPr>
-            <a:r>
-              <a:rPr lang="en-US" sz="2000" dirty="0"/>
-              <a:t>I4={day: 1 ≤ D ≤ 31}</a:t>
-            </a:r>
-            <a:endParaRPr lang="en-US" sz="2000" dirty="0"/>
-          </a:p>
-          <a:p>
-            <a:pPr marL="0" indent="0">
-              <a:buNone/>
-            </a:pPr>
-            <a:r>
-              <a:rPr lang="en-US" sz="2000" dirty="0"/>
-              <a:t>I5={day: D &lt; 1}</a:t>
-            </a:r>
-            <a:endParaRPr lang="en-US" sz="2000" dirty="0"/>
-          </a:p>
-          <a:p>
-            <a:pPr marL="0" indent="0">
-              <a:buNone/>
-            </a:pPr>
-            <a:r>
-              <a:rPr lang="en-US" sz="2000" dirty="0"/>
-              <a:t>I6={day: D &gt; 31}</a:t>
-            </a:r>
-            <a:endParaRPr lang="en-US" sz="2000" dirty="0"/>
-          </a:p>
-          <a:p>
-            <a:pPr marL="0" indent="0">
-              <a:buNone/>
-            </a:pPr>
-            <a:r>
-              <a:rPr lang="en-US" sz="2000" dirty="0"/>
-              <a:t>I7={year: 1900 ≤ Y ≤ 2025}</a:t>
-            </a:r>
-            <a:endParaRPr lang="en-US" sz="2000" dirty="0"/>
-          </a:p>
-          <a:p>
-            <a:pPr marL="0" indent="0">
-              <a:buNone/>
-            </a:pPr>
-            <a:r>
-              <a:rPr lang="en-US" sz="2000" dirty="0"/>
-              <a:t>I8={year: Y &lt; 1900}</a:t>
-            </a:r>
-            <a:endParaRPr lang="en-US" sz="2000" dirty="0"/>
-          </a:p>
-          <a:p>
-            <a:pPr marL="0" indent="0">
-              <a:buNone/>
-            </a:pPr>
-            <a:r>
-              <a:rPr lang="en-US" sz="2000" dirty="0"/>
-              <a:t>I9={year: Y &gt; 2025}</a:t>
-            </a:r>
-            <a:endParaRPr lang="en-US" sz="2000" dirty="0"/>
+              <a:rPr lang="en-US" sz="3600" b="1"/>
+              <a:t>Thank you for your attention!</a:t>
+            </a:r>
+            <a:endParaRPr lang="en-US" sz="3600" b="1"/>
           </a:p>
         </p:txBody>
       </p:sp>
@@ -5176,317 +4315,6 @@
               <a:t>.</a:t>
             </a:r>
             <a:endParaRPr lang="en-US" sz="2400" dirty="0"/>
-          </a:p>
-        </p:txBody>
-      </p:sp>
-    </p:spTree>
-  </p:cSld>
-  <p:clrMapOvr>
-    <a:masterClrMapping/>
-  </p:clrMapOvr>
-</p:sld>
-</file>
-
-<file path=ppt/slides/slide20.xml><?xml version="1.0" encoding="utf-8"?>
-<p:sld xmlns:a="http://schemas.openxmlformats.org/drawingml/2006/main" xmlns:r="http://schemas.openxmlformats.org/officeDocument/2006/relationships" xmlns:p="http://schemas.openxmlformats.org/presentationml/2006/main">
-  <p:cSld>
-    <p:spTree>
-      <p:nvGrpSpPr>
-        <p:cNvPr id="1" name=""/>
-        <p:cNvGrpSpPr/>
-        <p:nvPr/>
-      </p:nvGrpSpPr>
-      <p:grpSpPr>
-        <a:xfrm>
-          <a:off x="0" y="0"/>
-          <a:ext cx="0" cy="0"/>
-          <a:chOff x="0" y="0"/>
-          <a:chExt cx="0" cy="0"/>
-        </a:xfrm>
-      </p:grpSpPr>
-      <p:sp>
-        <p:nvSpPr>
-          <p:cNvPr id="2" name="Title 1"/>
-          <p:cNvSpPr>
-            <a:spLocks noGrp="1"/>
-          </p:cNvSpPr>
-          <p:nvPr>
-            <p:ph type="title"/>
-          </p:nvPr>
-        </p:nvSpPr>
-        <p:spPr/>
-        <p:txBody>
-          <a:bodyPr/>
-          <a:lstStyle/>
-          <a:p>
-            <a:r>
-              <a:rPr lang="en-US"/>
-              <a:t>Cont...</a:t>
-            </a:r>
-            <a:endParaRPr lang="en-US"/>
-          </a:p>
-        </p:txBody>
-      </p:sp>
-      <p:sp>
-        <p:nvSpPr>
-          <p:cNvPr id="3" name="Content Placeholder 2"/>
-          <p:cNvSpPr>
-            <a:spLocks noGrp="1"/>
-          </p:cNvSpPr>
-          <p:nvPr>
-            <p:ph idx="1"/>
-          </p:nvPr>
-        </p:nvSpPr>
-        <p:spPr/>
-        <p:txBody>
-          <a:bodyPr/>
-          <a:lstStyle/>
-          <a:p>
-            <a:r>
-              <a:rPr lang="en-US" sz="2000"/>
-              <a:t>Inputs domain test cases are :</a:t>
-            </a:r>
-            <a:endParaRPr lang="en-US" sz="2000"/>
-          </a:p>
-        </p:txBody>
-      </p:sp>
-      <p:pic>
-        <p:nvPicPr>
-          <p:cNvPr id="4" name="Picture 3" descr="Screenshot 2024-03-04 at 11.09.58 in the morning"/>
-          <p:cNvPicPr>
-            <a:picLocks noChangeAspect="1"/>
-          </p:cNvPicPr>
-          <p:nvPr/>
-        </p:nvPicPr>
-        <p:blipFill>
-          <a:blip r:embed="rId1"/>
-          <a:stretch>
-            <a:fillRect/>
-          </a:stretch>
-        </p:blipFill>
-        <p:spPr>
-          <a:xfrm>
-            <a:off x="914400" y="2302933"/>
-            <a:ext cx="7543800" cy="2921000"/>
-          </a:xfrm>
-          <a:prstGeom prst="rect">
-            <a:avLst/>
-          </a:prstGeom>
-        </p:spPr>
-      </p:pic>
-    </p:spTree>
-  </p:cSld>
-  <p:clrMapOvr>
-    <a:masterClrMapping/>
-  </p:clrMapOvr>
-</p:sld>
-</file>
-
-<file path=ppt/slides/slide21.xml><?xml version="1.0" encoding="utf-8"?>
-<p:sld xmlns:a="http://schemas.openxmlformats.org/drawingml/2006/main" xmlns:r="http://schemas.openxmlformats.org/officeDocument/2006/relationships" xmlns:p="http://schemas.openxmlformats.org/presentationml/2006/main">
-  <p:cSld>
-    <p:spTree>
-      <p:nvGrpSpPr>
-        <p:cNvPr id="1" name=""/>
-        <p:cNvGrpSpPr/>
-        <p:nvPr/>
-      </p:nvGrpSpPr>
-      <p:grpSpPr/>
-      <p:sp>
-        <p:nvSpPr>
-          <p:cNvPr id="2" name="Title 1"/>
-          <p:cNvSpPr>
-            <a:spLocks noGrp="1"/>
-          </p:cNvSpPr>
-          <p:nvPr>
-            <p:ph type="title"/>
-          </p:nvPr>
-        </p:nvSpPr>
-        <p:spPr/>
-        <p:txBody>
-          <a:bodyPr/>
-          <a:p>
-            <a:pPr algn="ctr"/>
-            <a:r>
-              <a:rPr lang="en-US" b="1"/>
-              <a:t>Equivalence Partitions Analysis</a:t>
-            </a:r>
-            <a:endParaRPr lang="en-US" b="1"/>
-          </a:p>
-        </p:txBody>
-      </p:sp>
-      <p:sp>
-        <p:nvSpPr>
-          <p:cNvPr id="3" name="Content Placeholder 2"/>
-          <p:cNvSpPr>
-            <a:spLocks noGrp="1"/>
-          </p:cNvSpPr>
-          <p:nvPr>
-            <p:ph idx="1"/>
-          </p:nvPr>
-        </p:nvSpPr>
-        <p:spPr/>
-        <p:txBody>
-          <a:bodyPr>
-            <a:normAutofit lnSpcReduction="10000"/>
-          </a:bodyPr>
-          <a:p>
-            <a:pPr marL="0" indent="0">
-              <a:buNone/>
-            </a:pPr>
-            <a:r>
-              <a:rPr lang="en-US" sz="2400"/>
-              <a:t>Pluses for EP techniques:</a:t>
-            </a:r>
-            <a:endParaRPr lang="en-US" sz="2400"/>
-          </a:p>
-          <a:p>
-            <a:pPr>
-              <a:buFont typeface="Wingdings" panose="05000000000000000000" charset="0"/>
-              <a:buChar char="ü"/>
-            </a:pPr>
-            <a:r>
-              <a:rPr lang="en-US" sz="2400"/>
-              <a:t>Reducing the number of test;</a:t>
-            </a:r>
-            <a:endParaRPr lang="en-US" sz="2400"/>
-          </a:p>
-          <a:p>
-            <a:pPr>
-              <a:buFont typeface="Wingdings" panose="05000000000000000000" charset="0"/>
-              <a:buChar char="ü"/>
-            </a:pPr>
-            <a:r>
-              <a:rPr lang="en-US" sz="2400"/>
-              <a:t>Reduction in testing time;</a:t>
-            </a:r>
-            <a:endParaRPr lang="en-US" sz="2400"/>
-          </a:p>
-          <a:p>
-            <a:pPr>
-              <a:buFont typeface="Wingdings" panose="05000000000000000000" charset="0"/>
-              <a:buChar char="ü"/>
-            </a:pPr>
-            <a:r>
-              <a:rPr lang="en-US" sz="2400"/>
-              <a:t>Improvement structure testing;</a:t>
-            </a:r>
-            <a:endParaRPr lang="en-US" sz="2400"/>
-          </a:p>
-          <a:p>
-            <a:pPr>
-              <a:buFont typeface="Wingdings" panose="05000000000000000000" charset="0"/>
-              <a:buChar char="ü"/>
-            </a:pPr>
-            <a:endParaRPr lang="en-US" sz="2400"/>
-          </a:p>
-          <a:p>
-            <a:pPr marL="0" indent="0">
-              <a:buFont typeface="Wingdings" panose="05000000000000000000" charset="0"/>
-              <a:buNone/>
-            </a:pPr>
-            <a:r>
-              <a:rPr lang="en-US" sz="2400"/>
-              <a:t>Minuses of EP techniques:</a:t>
-            </a:r>
-            <a:endParaRPr lang="en-US" sz="2400"/>
-          </a:p>
-          <a:p>
-            <a:pPr>
-              <a:buFont typeface="Wingdings" panose="05000000000000000000" charset="0"/>
-              <a:buChar char="ü"/>
-            </a:pPr>
-            <a:r>
-              <a:rPr lang="en-US" sz="2400"/>
-              <a:t>If misused technology we risk losing bugs.</a:t>
-            </a:r>
-            <a:endParaRPr lang="en-US" sz="2400"/>
-          </a:p>
-          <a:p>
-            <a:pPr>
-              <a:buFont typeface="Wingdings" panose="05000000000000000000" charset="0"/>
-              <a:buChar char="ü"/>
-            </a:pPr>
-            <a:endParaRPr lang="en-US" sz="2400"/>
-          </a:p>
-          <a:p>
-            <a:pPr marL="0" indent="0">
-              <a:buFont typeface="Wingdings" panose="05000000000000000000" charset="0"/>
-              <a:buNone/>
-            </a:pPr>
-            <a:r>
-              <a:rPr lang="en-US" sz="2400"/>
-              <a:t>Equivalence partitioning is no standalone method to determine test cases. It has to be supplemented by boundary value analysis.</a:t>
-            </a:r>
-            <a:endParaRPr lang="en-US" sz="2400"/>
-          </a:p>
-        </p:txBody>
-      </p:sp>
-    </p:spTree>
-  </p:cSld>
-  <p:clrMapOvr>
-    <a:masterClrMapping/>
-  </p:clrMapOvr>
-</p:sld>
-</file>
-
-<file path=ppt/slides/slide22.xml><?xml version="1.0" encoding="utf-8"?>
-<p:sld xmlns:a="http://schemas.openxmlformats.org/drawingml/2006/main" xmlns:r="http://schemas.openxmlformats.org/officeDocument/2006/relationships" xmlns:p="http://schemas.openxmlformats.org/presentationml/2006/main">
-  <p:cSld>
-    <p:spTree>
-      <p:nvGrpSpPr>
-        <p:cNvPr id="1" name=""/>
-        <p:cNvGrpSpPr/>
-        <p:nvPr/>
-      </p:nvGrpSpPr>
-      <p:grpSpPr/>
-      <p:sp>
-        <p:nvSpPr>
-          <p:cNvPr id="2" name="Title 1"/>
-          <p:cNvSpPr>
-            <a:spLocks noGrp="1"/>
-          </p:cNvSpPr>
-          <p:nvPr>
-            <p:ph type="title"/>
-          </p:nvPr>
-        </p:nvSpPr>
-        <p:spPr/>
-        <p:txBody>
-          <a:bodyPr/>
-          <a:p>
-            <a:endParaRPr lang="en-US"/>
-          </a:p>
-        </p:txBody>
-      </p:sp>
-      <p:sp>
-        <p:nvSpPr>
-          <p:cNvPr id="3" name="Content Placeholder 2"/>
-          <p:cNvSpPr>
-            <a:spLocks noGrp="1"/>
-          </p:cNvSpPr>
-          <p:nvPr>
-            <p:ph idx="1"/>
-          </p:nvPr>
-        </p:nvSpPr>
-        <p:spPr>
-          <a:xfrm>
-            <a:off x="1984375" y="2600960"/>
-            <a:ext cx="7127875" cy="608965"/>
-          </a:xfrm>
-        </p:spPr>
-        <p:txBody>
-          <a:bodyPr>
-            <a:noAutofit/>
-          </a:bodyPr>
-          <a:p>
-            <a:pPr marL="0" indent="0">
-              <a:buNone/>
-            </a:pPr>
-            <a:r>
-              <a:rPr lang="en-US" sz="3600" b="1"/>
-              <a:t>Thank you for your attention!</a:t>
-            </a:r>
-            <a:endParaRPr lang="en-US" sz="3600" b="1"/>
           </a:p>
         </p:txBody>
       </p:sp>

--- a/slides/L8 Equivalence Partitioning .pptx
+++ b/slides/L8 Equivalence Partitioning .pptx
@@ -3001,10 +3001,6 @@
             <a:endParaRPr lang="en-US"/>
           </a:p>
           <a:p>
-            <a:r>
-              <a:rPr lang="en-US"/>
-              <a:t>naurgessa@gmail.com</a:t>
-            </a:r>
             <a:endParaRPr lang="en-US"/>
           </a:p>
         </p:txBody>

--- a/slides/L8 Equivalence Partitioning .pptx
+++ b/slides/L8 Equivalence Partitioning .pptx
@@ -3968,8 +3968,12 @@
               <a:buNone/>
             </a:pPr>
             <a:r>
+              <a:rPr lang="en-US" sz="2400" b="1"/>
+              <a:t>Pluses </a:t>
+            </a:r>
+            <a:r>
               <a:rPr lang="en-US" sz="2400"/>
-              <a:t>Pluses for EP techniques:</a:t>
+              <a:t>for EP techniques:</a:t>
             </a:r>
             <a:endParaRPr lang="en-US" sz="2400"/>
           </a:p>
@@ -4019,8 +4023,12 @@
               <a:buNone/>
             </a:pPr>
             <a:r>
+              <a:rPr lang="en-US" sz="2400" b="1"/>
+              <a:t>Minuses </a:t>
+            </a:r>
+            <a:r>
               <a:rPr lang="en-US" sz="2400"/>
-              <a:t>Minuses of EP techniques:</a:t>
+              <a:t>of EP techniques:</a:t>
             </a:r>
             <a:endParaRPr lang="en-US" sz="2400"/>
           </a:p>

--- a/slides/L8 Equivalence Partitioning .pptx
+++ b/slides/L8 Equivalence Partitioning .pptx
@@ -3961,7 +3961,7 @@
         <p:spPr/>
         <p:txBody>
           <a:bodyPr>
-            <a:normAutofit lnSpcReduction="10000"/>
+            <a:normAutofit/>
           </a:bodyPr>
           <a:p>
             <a:pPr marL="0" indent="0">
@@ -3976,72 +3976,72 @@
               <a:t>for EP techniques:</a:t>
             </a:r>
             <a:endParaRPr lang="en-US" sz="2400"/>
+          </a:p>
+          <a:p>
+            <a:pPr lvl="1">
+              <a:buFont typeface="Wingdings" panose="05000000000000000000" charset="0"/>
+              <a:buChar char="ü"/>
+            </a:pPr>
+            <a:r>
+              <a:rPr lang="en-US"/>
+              <a:t>Reducing the number of test;</a:t>
+            </a:r>
+            <a:endParaRPr lang="en-US"/>
+          </a:p>
+          <a:p>
+            <a:pPr lvl="1">
+              <a:buFont typeface="Wingdings" panose="05000000000000000000" charset="0"/>
+              <a:buChar char="ü"/>
+            </a:pPr>
+            <a:r>
+              <a:rPr lang="en-US"/>
+              <a:t>Reduction in testing time;</a:t>
+            </a:r>
+            <a:endParaRPr lang="en-US"/>
+          </a:p>
+          <a:p>
+            <a:pPr lvl="1">
+              <a:buFont typeface="Wingdings" panose="05000000000000000000" charset="0"/>
+              <a:buChar char="ü"/>
+            </a:pPr>
+            <a:r>
+              <a:rPr lang="en-US"/>
+              <a:t>Improvement structure testing;</a:t>
+            </a:r>
+            <a:endParaRPr lang="en-US"/>
           </a:p>
           <a:p>
             <a:pPr>
               <a:buFont typeface="Wingdings" panose="05000000000000000000" charset="0"/>
               <a:buChar char="ü"/>
             </a:pPr>
+            <a:endParaRPr lang="en-US" sz="2400"/>
+          </a:p>
+          <a:p>
+            <a:pPr marL="0" indent="0">
+              <a:buFont typeface="Wingdings" panose="05000000000000000000" charset="0"/>
+              <a:buNone/>
+            </a:pPr>
+            <a:r>
+              <a:rPr lang="en-US" sz="2400" b="1"/>
+              <a:t>Minuses </a:t>
+            </a:r>
             <a:r>
               <a:rPr lang="en-US" sz="2400"/>
-              <a:t>Reducing the number of test;</a:t>
+              <a:t>of EP techniques:</a:t>
             </a:r>
             <a:endParaRPr lang="en-US" sz="2400"/>
           </a:p>
           <a:p>
-            <a:pPr>
+            <a:pPr lvl="1">
               <a:buFont typeface="Wingdings" panose="05000000000000000000" charset="0"/>
               <a:buChar char="ü"/>
             </a:pPr>
             <a:r>
-              <a:rPr lang="en-US" sz="2400"/>
-              <a:t>Reduction in testing time;</a:t>
-            </a:r>
-            <a:endParaRPr lang="en-US" sz="2400"/>
-          </a:p>
-          <a:p>
-            <a:pPr>
-              <a:buFont typeface="Wingdings" panose="05000000000000000000" charset="0"/>
-              <a:buChar char="ü"/>
-            </a:pPr>
-            <a:r>
-              <a:rPr lang="en-US" sz="2400"/>
-              <a:t>Improvement structure testing;</a:t>
-            </a:r>
-            <a:endParaRPr lang="en-US" sz="2400"/>
-          </a:p>
-          <a:p>
-            <a:pPr>
-              <a:buFont typeface="Wingdings" panose="05000000000000000000" charset="0"/>
-              <a:buChar char="ü"/>
-            </a:pPr>
-            <a:endParaRPr lang="en-US" sz="2400"/>
-          </a:p>
-          <a:p>
-            <a:pPr marL="0" indent="0">
-              <a:buFont typeface="Wingdings" panose="05000000000000000000" charset="0"/>
-              <a:buNone/>
-            </a:pPr>
-            <a:r>
-              <a:rPr lang="en-US" sz="2400" b="1"/>
-              <a:t>Minuses </a:t>
-            </a:r>
-            <a:r>
-              <a:rPr lang="en-US" sz="2400"/>
-              <a:t>of EP techniques:</a:t>
-            </a:r>
-            <a:endParaRPr lang="en-US" sz="2400"/>
-          </a:p>
-          <a:p>
-            <a:pPr>
-              <a:buFont typeface="Wingdings" panose="05000000000000000000" charset="0"/>
-              <a:buChar char="ü"/>
-            </a:pPr>
-            <a:r>
-              <a:rPr lang="en-US" sz="2400"/>
+              <a:rPr lang="en-US"/>
               <a:t>If misused technology we risk losing bugs.</a:t>
             </a:r>
-            <a:endParaRPr lang="en-US" sz="2400"/>
+            <a:endParaRPr lang="en-US"/>
           </a:p>
           <a:p>
             <a:pPr>
